--- a/Handouts/Interpreter/SEL Interpreter.pptx
+++ b/Handouts/Interpreter/SEL Interpreter.pptx
@@ -5028,7 +5028,7 @@
             <a:pPr algn="l"/>
             <a:r>
               <a:rPr lang="en-US" sz="2000" dirty="0"/>
-              <a:t>Note: Grammar requires 2-token lookahead to</a:t>
+              <a:t>Note: Grammar requires 2-symbol lookahead to</a:t>
             </a:r>
           </a:p>
           <a:p>
